--- a/documents/private/施诚-信A161336-云收藏的设计与实现-演示文档.pptx
+++ b/documents/private/施诚-信A161336-云收藏的设计与实现-演示文档.pptx
@@ -864,7 +864,7 @@
             <a:fld id="{B61BEF0D-F0BB-DE4B-95CE-6DB70DBA9567}" type="datetimeFigureOut">
               <a:rPr lang="en-US" dirty="0"/>
               <a:pPr/>
-              <a:t>12/19/2019</a:t>
+              <a:t>12/25/2019</a:t>
             </a:fld>
             <a:endParaRPr lang="en-US" dirty="0"/>
           </a:p>
@@ -918,6 +918,9 @@
   <p:clrMapOvr>
     <a:masterClrMapping/>
   </p:clrMapOvr>
+  <p:transition spd="slow">
+    <p:wipe/>
+  </p:transition>
 </p:sldLayout>
 </file>
 
@@ -1112,7 +1115,7 @@
             <a:fld id="{B61BEF0D-F0BB-DE4B-95CE-6DB70DBA9567}" type="datetimeFigureOut">
               <a:rPr lang="en-US" dirty="0"/>
               <a:pPr/>
-              <a:t>12/19/2019</a:t>
+              <a:t>12/25/2019</a:t>
             </a:fld>
             <a:endParaRPr lang="en-US" dirty="0"/>
           </a:p>
@@ -1166,6 +1169,9 @@
   <p:clrMapOvr>
     <a:masterClrMapping/>
   </p:clrMapOvr>
+  <p:transition spd="slow">
+    <p:wipe/>
+  </p:transition>
 </p:sldLayout>
 </file>
 
@@ -1423,7 +1429,7 @@
             <a:fld id="{B61BEF0D-F0BB-DE4B-95CE-6DB70DBA9567}" type="datetimeFigureOut">
               <a:rPr lang="en-US" dirty="0"/>
               <a:pPr/>
-              <a:t>12/19/2019</a:t>
+              <a:t>12/25/2019</a:t>
             </a:fld>
             <a:endParaRPr lang="en-US" dirty="0"/>
           </a:p>
@@ -1559,6 +1565,9 @@
   <p:clrMapOvr>
     <a:masterClrMapping/>
   </p:clrMapOvr>
+  <p:transition spd="slow">
+    <p:wipe/>
+  </p:transition>
 </p:sldLayout>
 </file>
 
@@ -1753,7 +1762,7 @@
             <a:fld id="{B61BEF0D-F0BB-DE4B-95CE-6DB70DBA9567}" type="datetimeFigureOut">
               <a:rPr lang="en-US" dirty="0"/>
               <a:pPr/>
-              <a:t>12/19/2019</a:t>
+              <a:t>12/25/2019</a:t>
             </a:fld>
             <a:endParaRPr lang="en-US" dirty="0"/>
           </a:p>
@@ -1807,6 +1816,9 @@
   <p:clrMapOvr>
     <a:masterClrMapping/>
   </p:clrMapOvr>
+  <p:transition spd="slow">
+    <p:wipe/>
+  </p:transition>
 </p:sldLayout>
 </file>
 
@@ -2064,7 +2076,7 @@
             <a:fld id="{B61BEF0D-F0BB-DE4B-95CE-6DB70DBA9567}" type="datetimeFigureOut">
               <a:rPr lang="en-US" dirty="0"/>
               <a:pPr/>
-              <a:t>12/19/2019</a:t>
+              <a:t>12/25/2019</a:t>
             </a:fld>
             <a:endParaRPr lang="en-US" dirty="0"/>
           </a:p>
@@ -2200,6 +2212,9 @@
   <p:clrMapOvr>
     <a:masterClrMapping/>
   </p:clrMapOvr>
+  <p:transition spd="slow">
+    <p:wipe/>
+  </p:transition>
 </p:sldLayout>
 </file>
 
@@ -2454,7 +2469,7 @@
             <a:fld id="{B61BEF0D-F0BB-DE4B-95CE-6DB70DBA9567}" type="datetimeFigureOut">
               <a:rPr lang="en-US" dirty="0"/>
               <a:pPr/>
-              <a:t>12/19/2019</a:t>
+              <a:t>12/25/2019</a:t>
             </a:fld>
             <a:endParaRPr lang="en-US" dirty="0"/>
           </a:p>
@@ -2508,6 +2523,9 @@
   <p:clrMapOvr>
     <a:masterClrMapping/>
   </p:clrMapOvr>
+  <p:transition spd="slow">
+    <p:wipe/>
+  </p:transition>
 </p:sldLayout>
 </file>
 
@@ -2620,7 +2638,7 @@
           <a:p>
             <a:fld id="{55C6B4A9-1611-4792-9094-5F34BCA07E0B}" type="datetimeFigureOut">
               <a:rPr lang="en-US" dirty="0"/>
-              <a:t>12/19/2019</a:t>
+              <a:t>12/25/2019</a:t>
             </a:fld>
             <a:endParaRPr lang="en-US" dirty="0"/>
           </a:p>
@@ -2673,6 +2691,9 @@
   <p:clrMapOvr>
     <a:masterClrMapping/>
   </p:clrMapOvr>
+  <p:transition spd="slow">
+    <p:wipe/>
+  </p:transition>
 </p:sldLayout>
 </file>
 
@@ -2796,7 +2817,7 @@
             <a:fld id="{B61BEF0D-F0BB-DE4B-95CE-6DB70DBA9567}" type="datetimeFigureOut">
               <a:rPr lang="en-US" dirty="0"/>
               <a:pPr/>
-              <a:t>12/19/2019</a:t>
+              <a:t>12/25/2019</a:t>
             </a:fld>
             <a:endParaRPr lang="en-US" dirty="0"/>
           </a:p>
@@ -2850,6 +2871,9 @@
   <p:clrMapOvr>
     <a:masterClrMapping/>
   </p:clrMapOvr>
+  <p:transition spd="slow">
+    <p:wipe/>
+  </p:transition>
 </p:sldLayout>
 </file>
 
@@ -2972,7 +2996,7 @@
           <a:p>
             <a:fld id="{42A54C80-263E-416B-A8E0-580EDEADCBDC}" type="datetimeFigureOut">
               <a:rPr lang="en-US" dirty="0"/>
-              <a:t>12/19/2019</a:t>
+              <a:t>12/25/2019</a:t>
             </a:fld>
             <a:endParaRPr lang="en-US" dirty="0"/>
           </a:p>
@@ -3025,6 +3049,9 @@
   <p:clrMapOvr>
     <a:masterClrMapping/>
   </p:clrMapOvr>
+  <p:transition spd="slow">
+    <p:wipe/>
+  </p:transition>
 </p:sldLayout>
 </file>
 
@@ -3215,7 +3242,7 @@
             <a:fld id="{B61BEF0D-F0BB-DE4B-95CE-6DB70DBA9567}" type="datetimeFigureOut">
               <a:rPr lang="en-US" dirty="0"/>
               <a:pPr/>
-              <a:t>12/19/2019</a:t>
+              <a:t>12/25/2019</a:t>
             </a:fld>
             <a:endParaRPr lang="en-US" dirty="0"/>
           </a:p>
@@ -3269,6 +3296,9 @@
   <p:clrMapOvr>
     <a:masterClrMapping/>
   </p:clrMapOvr>
+  <p:transition spd="slow">
+    <p:wipe/>
+  </p:transition>
 </p:sldLayout>
 </file>
 
@@ -3443,7 +3473,7 @@
           <a:p>
             <a:fld id="{42A54C80-263E-416B-A8E0-580EDEADCBDC}" type="datetimeFigureOut">
               <a:rPr lang="en-US" dirty="0"/>
-              <a:t>12/19/2019</a:t>
+              <a:t>12/25/2019</a:t>
             </a:fld>
             <a:endParaRPr lang="en-US" dirty="0"/>
           </a:p>
@@ -3496,6 +3526,9 @@
   <p:clrMapOvr>
     <a:masterClrMapping/>
   </p:clrMapOvr>
+  <p:transition spd="slow">
+    <p:wipe/>
+  </p:transition>
 </p:sldLayout>
 </file>
 
@@ -3813,7 +3846,7 @@
             <a:fld id="{B61BEF0D-F0BB-DE4B-95CE-6DB70DBA9567}" type="datetimeFigureOut">
               <a:rPr lang="en-US" dirty="0"/>
               <a:pPr/>
-              <a:t>12/19/2019</a:t>
+              <a:t>12/25/2019</a:t>
             </a:fld>
             <a:endParaRPr lang="en-US" dirty="0"/>
           </a:p>
@@ -3867,6 +3900,9 @@
   <p:clrMapOvr>
     <a:masterClrMapping/>
   </p:clrMapOvr>
+  <p:transition spd="slow">
+    <p:wipe/>
+  </p:transition>
 </p:sldLayout>
 </file>
 
@@ -3933,7 +3969,7 @@
             <a:fld id="{B61BEF0D-F0BB-DE4B-95CE-6DB70DBA9567}" type="datetimeFigureOut">
               <a:rPr lang="en-US" dirty="0"/>
               <a:pPr/>
-              <a:t>12/19/2019</a:t>
+              <a:t>12/25/2019</a:t>
             </a:fld>
             <a:endParaRPr lang="en-US" dirty="0"/>
           </a:p>
@@ -3987,6 +4023,9 @@
   <p:clrMapOvr>
     <a:masterClrMapping/>
   </p:clrMapOvr>
+  <p:transition spd="slow">
+    <p:wipe/>
+  </p:transition>
 </p:sldLayout>
 </file>
 
@@ -4025,7 +4064,7 @@
             <a:fld id="{B61BEF0D-F0BB-DE4B-95CE-6DB70DBA9567}" type="datetimeFigureOut">
               <a:rPr lang="en-US" dirty="0"/>
               <a:pPr/>
-              <a:t>12/19/2019</a:t>
+              <a:t>12/25/2019</a:t>
             </a:fld>
             <a:endParaRPr lang="en-US" dirty="0"/>
           </a:p>
@@ -4079,6 +4118,9 @@
   <p:clrMapOvr>
     <a:masterClrMapping/>
   </p:clrMapOvr>
+  <p:transition spd="slow">
+    <p:wipe/>
+  </p:transition>
 </p:sldLayout>
 </file>
 
@@ -4276,7 +4318,7 @@
           <a:p>
             <a:fld id="{42A54C80-263E-416B-A8E0-580EDEADCBDC}" type="datetimeFigureOut">
               <a:rPr lang="en-US" dirty="0"/>
-              <a:t>12/19/2019</a:t>
+              <a:t>12/25/2019</a:t>
             </a:fld>
             <a:endParaRPr lang="en-US" dirty="0"/>
           </a:p>
@@ -4329,6 +4371,9 @@
   <p:clrMapOvr>
     <a:masterClrMapping/>
   </p:clrMapOvr>
+  <p:transition spd="slow">
+    <p:wipe/>
+  </p:transition>
 </p:sldLayout>
 </file>
 
@@ -4578,7 +4623,7 @@
             <a:fld id="{B61BEF0D-F0BB-DE4B-95CE-6DB70DBA9567}" type="datetimeFigureOut">
               <a:rPr lang="en-US" dirty="0"/>
               <a:pPr/>
-              <a:t>12/19/2019</a:t>
+              <a:t>12/25/2019</a:t>
             </a:fld>
             <a:endParaRPr lang="en-US" dirty="0"/>
           </a:p>
@@ -4589,6 +4634,9 @@
   <p:clrMapOvr>
     <a:masterClrMapping/>
   </p:clrMapOvr>
+  <p:transition spd="slow">
+    <p:wipe/>
+  </p:transition>
 </p:sldLayout>
 </file>
 
@@ -5276,7 +5324,7 @@
             <a:fld id="{B61BEF0D-F0BB-DE4B-95CE-6DB70DBA9567}" type="datetimeFigureOut">
               <a:rPr lang="en-US" dirty="0"/>
               <a:pPr/>
-              <a:t>12/19/2019</a:t>
+              <a:t>12/25/2019</a:t>
             </a:fld>
             <a:endParaRPr lang="en-US" dirty="0"/>
           </a:p>
@@ -5380,6 +5428,9 @@
     <p:sldLayoutId id="2147483668" r:id="rId15"/>
     <p:sldLayoutId id="2147483659" r:id="rId16"/>
   </p:sldLayoutIdLst>
+  <p:transition spd="slow">
+    <p:wipe/>
+  </p:transition>
   <p:txStyles>
     <p:titleStyle>
       <a:lvl1pPr algn="l" defTabSz="457200" rtl="0" eaLnBrk="1" latinLnBrk="0" hangingPunct="1">
@@ -5862,6 +5913,9 @@
   <p:clrMapOvr>
     <a:masterClrMapping/>
   </p:clrMapOvr>
+  <p:transition spd="slow">
+    <p:wipe/>
+  </p:transition>
 </p:sld>
 </file>
 
@@ -5976,6 +6030,9 @@
   <p:clrMapOvr>
     <a:masterClrMapping/>
   </p:clrMapOvr>
+  <p:transition spd="slow">
+    <p:wipe/>
+  </p:transition>
 </p:sld>
 </file>
 
@@ -6146,6 +6203,9 @@
   <p:clrMapOvr>
     <a:masterClrMapping/>
   </p:clrMapOvr>
+  <p:transition spd="slow">
+    <p:wipe/>
+  </p:transition>
 </p:sld>
 </file>
 
@@ -6379,6 +6439,9 @@
   <p:clrMapOvr>
     <a:masterClrMapping/>
   </p:clrMapOvr>
+  <p:transition spd="slow">
+    <p:wipe/>
+  </p:transition>
 </p:sld>
 </file>
 
@@ -6510,6 +6573,9 @@
   <p:clrMapOvr>
     <a:masterClrMapping/>
   </p:clrMapOvr>
+  <p:transition spd="slow">
+    <p:wipe/>
+  </p:transition>
 </p:sld>
 </file>
 
@@ -6663,6 +6729,9 @@
   <p:clrMapOvr>
     <a:masterClrMapping/>
   </p:clrMapOvr>
+  <p:transition spd="slow">
+    <p:wipe/>
+  </p:transition>
 </p:sld>
 </file>
 
@@ -6740,7 +6809,7 @@
         </p:spPr>
         <p:txBody>
           <a:bodyPr>
-            <a:normAutofit/>
+            <a:normAutofit fontScale="92500" lnSpcReduction="20000"/>
           </a:bodyPr>
           <a:lstStyle/>
           <a:p>
@@ -6936,7 +7005,7 @@
           <a:p>
             <a:r>
               <a:rPr lang="zh-CN" altLang="en-US" dirty="0"/>
-              <a:t> 规范的前端组件化开发</a:t>
+              <a:t>规范的前端组件化开发</a:t>
             </a:r>
             <a:r>
               <a:rPr lang="en-US" altLang="zh-CN" dirty="0"/>
@@ -6953,6 +7022,44 @@
             <a:r>
               <a:rPr lang="zh-CN" altLang="en-US" dirty="0"/>
               <a:t>架构。</a:t>
+            </a:r>
+            <a:endParaRPr lang="en-US" altLang="zh-CN" dirty="0"/>
+          </a:p>
+          <a:p>
+            <a:r>
+              <a:rPr lang="en-US" altLang="zh-CN" dirty="0"/>
+              <a:t>Restful</a:t>
+            </a:r>
+            <a:r>
+              <a:rPr lang="zh-CN" altLang="en-US" dirty="0"/>
+              <a:t>风格的后台控制器接口地址。</a:t>
+            </a:r>
+            <a:endParaRPr lang="en-US" altLang="zh-CN" dirty="0"/>
+          </a:p>
+          <a:p>
+            <a:r>
+              <a:rPr lang="zh-CN" altLang="en-US" dirty="0"/>
+              <a:t>基于</a:t>
+            </a:r>
+            <a:r>
+              <a:rPr lang="en-US" altLang="zh-CN" dirty="0"/>
+              <a:t>Spring </a:t>
+            </a:r>
+            <a:r>
+              <a:rPr lang="en-US" altLang="zh-CN" dirty="0" err="1"/>
+              <a:t>AOP</a:t>
+            </a:r>
+            <a:r>
+              <a:rPr lang="zh-CN" altLang="en-US" dirty="0"/>
+              <a:t>和</a:t>
+            </a:r>
+            <a:r>
+              <a:rPr lang="en-US" altLang="zh-CN" dirty="0" err="1"/>
+              <a:t>GlobalExceptionHandler</a:t>
+            </a:r>
+            <a:r>
+              <a:rPr lang="zh-CN" altLang="en-US" dirty="0"/>
+              <a:t>的后台错误处理（包括参数错误）。</a:t>
             </a:r>
             <a:endParaRPr lang="en-US" altLang="zh-CN" dirty="0"/>
           </a:p>
@@ -6974,6 +7081,9 @@
   <p:clrMapOvr>
     <a:masterClrMapping/>
   </p:clrMapOvr>
+  <p:transition spd="slow">
+    <p:wipe/>
+  </p:transition>
 </p:sld>
 </file>
 
